--- a/JFM/figs/balance.pptx
+++ b/JFM/figs/balance.pptx
@@ -243,7 +243,7 @@
           <a:p>
             <a:fld id="{A7FC9614-C9A7-4677-8628-BB43AA33D60B}" type="datetimeFigureOut">
               <a:rPr lang="en-US" smtClean="0"/>
-              <a:t>3/7/2022</a:t>
+              <a:t>3/13/2022</a:t>
             </a:fld>
             <a:endParaRPr lang="en-US"/>
           </a:p>
@@ -413,7 +413,7 @@
           <a:p>
             <a:fld id="{A7FC9614-C9A7-4677-8628-BB43AA33D60B}" type="datetimeFigureOut">
               <a:rPr lang="en-US" smtClean="0"/>
-              <a:t>3/7/2022</a:t>
+              <a:t>3/13/2022</a:t>
             </a:fld>
             <a:endParaRPr lang="en-US"/>
           </a:p>
@@ -593,7 +593,7 @@
           <a:p>
             <a:fld id="{A7FC9614-C9A7-4677-8628-BB43AA33D60B}" type="datetimeFigureOut">
               <a:rPr lang="en-US" smtClean="0"/>
-              <a:t>3/7/2022</a:t>
+              <a:t>3/13/2022</a:t>
             </a:fld>
             <a:endParaRPr lang="en-US"/>
           </a:p>
@@ -763,7 +763,7 @@
           <a:p>
             <a:fld id="{A7FC9614-C9A7-4677-8628-BB43AA33D60B}" type="datetimeFigureOut">
               <a:rPr lang="en-US" smtClean="0"/>
-              <a:t>3/7/2022</a:t>
+              <a:t>3/13/2022</a:t>
             </a:fld>
             <a:endParaRPr lang="en-US"/>
           </a:p>
@@ -1009,7 +1009,7 @@
           <a:p>
             <a:fld id="{A7FC9614-C9A7-4677-8628-BB43AA33D60B}" type="datetimeFigureOut">
               <a:rPr lang="en-US" smtClean="0"/>
-              <a:t>3/7/2022</a:t>
+              <a:t>3/13/2022</a:t>
             </a:fld>
             <a:endParaRPr lang="en-US"/>
           </a:p>
@@ -1241,7 +1241,7 @@
           <a:p>
             <a:fld id="{A7FC9614-C9A7-4677-8628-BB43AA33D60B}" type="datetimeFigureOut">
               <a:rPr lang="en-US" smtClean="0"/>
-              <a:t>3/7/2022</a:t>
+              <a:t>3/13/2022</a:t>
             </a:fld>
             <a:endParaRPr lang="en-US"/>
           </a:p>
@@ -1608,7 +1608,7 @@
           <a:p>
             <a:fld id="{A7FC9614-C9A7-4677-8628-BB43AA33D60B}" type="datetimeFigureOut">
               <a:rPr lang="en-US" smtClean="0"/>
-              <a:t>3/7/2022</a:t>
+              <a:t>3/13/2022</a:t>
             </a:fld>
             <a:endParaRPr lang="en-US"/>
           </a:p>
@@ -1726,7 +1726,7 @@
           <a:p>
             <a:fld id="{A7FC9614-C9A7-4677-8628-BB43AA33D60B}" type="datetimeFigureOut">
               <a:rPr lang="en-US" smtClean="0"/>
-              <a:t>3/7/2022</a:t>
+              <a:t>3/13/2022</a:t>
             </a:fld>
             <a:endParaRPr lang="en-US"/>
           </a:p>
@@ -1821,7 +1821,7 @@
           <a:p>
             <a:fld id="{A7FC9614-C9A7-4677-8628-BB43AA33D60B}" type="datetimeFigureOut">
               <a:rPr lang="en-US" smtClean="0"/>
-              <a:t>3/7/2022</a:t>
+              <a:t>3/13/2022</a:t>
             </a:fld>
             <a:endParaRPr lang="en-US"/>
           </a:p>
@@ -2098,7 +2098,7 @@
           <a:p>
             <a:fld id="{A7FC9614-C9A7-4677-8628-BB43AA33D60B}" type="datetimeFigureOut">
               <a:rPr lang="en-US" smtClean="0"/>
-              <a:t>3/7/2022</a:t>
+              <a:t>3/13/2022</a:t>
             </a:fld>
             <a:endParaRPr lang="en-US"/>
           </a:p>
@@ -2355,7 +2355,7 @@
           <a:p>
             <a:fld id="{A7FC9614-C9A7-4677-8628-BB43AA33D60B}" type="datetimeFigureOut">
               <a:rPr lang="en-US" smtClean="0"/>
-              <a:t>3/7/2022</a:t>
+              <a:t>3/13/2022</a:t>
             </a:fld>
             <a:endParaRPr lang="en-US"/>
           </a:p>
@@ -2568,7 +2568,7 @@
           <a:p>
             <a:fld id="{A7FC9614-C9A7-4677-8628-BB43AA33D60B}" type="datetimeFigureOut">
               <a:rPr lang="en-US" smtClean="0"/>
-              <a:t>3/7/2022</a:t>
+              <a:t>3/13/2022</a:t>
             </a:fld>
             <a:endParaRPr lang="en-US"/>
           </a:p>
@@ -3404,7 +3404,7 @@
         <p:spPr>
           <a:xfrm>
             <a:off x="1645029" y="2472435"/>
-            <a:ext cx="1214715" cy="707886"/>
+            <a:ext cx="1214715" cy="1354217"/>
           </a:xfrm>
           <a:prstGeom prst="rect">
             <a:avLst/>
@@ -3427,8 +3427,29 @@
                 <a:latin typeface="Verdana" panose="020B0604030504040204" pitchFamily="34" charset="0"/>
                 <a:ea typeface="Verdana" panose="020B0604030504040204" pitchFamily="34" charset="0"/>
               </a:rPr>
-              <a:t>Young’s force</a:t>
-            </a:r>
+              <a:t>Young’s force + </a:t>
+            </a:r>
+            <a:r>
+              <a:rPr lang="en-US" sz="1400" dirty="0">
+                <a:solidFill>
+                  <a:schemeClr val="accent6">
+                    <a:lumMod val="75000"/>
+                  </a:schemeClr>
+                </a:solidFill>
+                <a:latin typeface="Verdana" panose="020B0604030504040204" pitchFamily="34" charset="0"/>
+                <a:ea typeface="Verdana" panose="020B0604030504040204" pitchFamily="34" charset="0"/>
+              </a:rPr>
+              <a:t>internal viscous stress</a:t>
+            </a:r>
+            <a:endParaRPr lang="en-US" sz="2000" dirty="0">
+              <a:solidFill>
+                <a:schemeClr val="accent6">
+                  <a:lumMod val="75000"/>
+                </a:schemeClr>
+              </a:solidFill>
+              <a:latin typeface="Verdana" panose="020B0604030504040204" pitchFamily="34" charset="0"/>
+              <a:ea typeface="Verdana" panose="020B0604030504040204" pitchFamily="34" charset="0"/>
+            </a:endParaRPr>
           </a:p>
         </p:txBody>
       </p:sp>
@@ -4065,7 +4086,7 @@
         <p:spPr>
           <a:xfrm>
             <a:off x="5495357" y="2472435"/>
-            <a:ext cx="1214715" cy="707886"/>
+            <a:ext cx="1214715" cy="1261884"/>
           </a:xfrm>
           <a:prstGeom prst="rect">
             <a:avLst/>
@@ -4088,8 +4109,41 @@
                 <a:latin typeface="Verdana" panose="020B0604030504040204" pitchFamily="34" charset="0"/>
                 <a:ea typeface="Verdana" panose="020B0604030504040204" pitchFamily="34" charset="0"/>
               </a:rPr>
-              <a:t>Young’s force</a:t>
-            </a:r>
+              <a:t>Young’s force +</a:t>
+            </a:r>
+            <a:r>
+              <a:rPr lang="en-US" dirty="0">
+                <a:solidFill>
+                  <a:schemeClr val="accent6">
+                    <a:lumMod val="75000"/>
+                  </a:schemeClr>
+                </a:solidFill>
+                <a:latin typeface="Verdana" panose="020B0604030504040204" pitchFamily="34" charset="0"/>
+                <a:ea typeface="Verdana" panose="020B0604030504040204" pitchFamily="34" charset="0"/>
+              </a:rPr>
+              <a:t> </a:t>
+            </a:r>
+            <a:r>
+              <a:rPr lang="en-US" sz="1200" dirty="0">
+                <a:solidFill>
+                  <a:schemeClr val="accent6">
+                    <a:lumMod val="75000"/>
+                  </a:schemeClr>
+                </a:solidFill>
+                <a:latin typeface="Verdana" panose="020B0604030504040204" pitchFamily="34" charset="0"/>
+                <a:ea typeface="Verdana" panose="020B0604030504040204" pitchFamily="34" charset="0"/>
+              </a:rPr>
+              <a:t>internal viscous stress</a:t>
+            </a:r>
+            <a:endParaRPr lang="en-US" dirty="0">
+              <a:solidFill>
+                <a:schemeClr val="accent6">
+                  <a:lumMod val="75000"/>
+                </a:schemeClr>
+              </a:solidFill>
+              <a:latin typeface="Verdana" panose="020B0604030504040204" pitchFamily="34" charset="0"/>
+              <a:ea typeface="Verdana" panose="020B0604030504040204" pitchFamily="34" charset="0"/>
+            </a:endParaRPr>
           </a:p>
         </p:txBody>
       </p:sp>
@@ -4109,7 +4163,7 @@
         </p:nvCxnSpPr>
         <p:spPr>
           <a:xfrm flipV="1">
-            <a:off x="6329071" y="1191383"/>
+            <a:off x="6179602" y="1195866"/>
             <a:ext cx="0" cy="580875"/>
           </a:xfrm>
           <a:prstGeom prst="straightConnector1">
@@ -4153,8 +4207,8 @@
         </p:nvSpPr>
         <p:spPr>
           <a:xfrm>
-            <a:off x="6436644" y="999052"/>
-            <a:ext cx="1203508" cy="1015663"/>
+            <a:off x="6275285" y="643809"/>
+            <a:ext cx="1329000" cy="1631216"/>
           </a:xfrm>
           <a:prstGeom prst="rect">
             <a:avLst/>
@@ -4177,7 +4231,7 @@
                 <a:latin typeface="Verdana" panose="020B0604030504040204" pitchFamily="34" charset="0"/>
                 <a:ea typeface="Verdana" panose="020B0604030504040204" pitchFamily="34" charset="0"/>
               </a:rPr>
-              <a:t>Slip velocity &gt; 0</a:t>
+              <a:t>Slip velocity &gt; 0 and is constant</a:t>
             </a:r>
           </a:p>
         </p:txBody>
@@ -4850,7 +4904,7 @@
         <p:spPr>
           <a:xfrm>
             <a:off x="9336719" y="2476919"/>
-            <a:ext cx="1214715" cy="707886"/>
+            <a:ext cx="1214715" cy="1261884"/>
           </a:xfrm>
           <a:prstGeom prst="rect">
             <a:avLst/>
@@ -4873,7 +4927,19 @@
                 <a:latin typeface="Verdana" panose="020B0604030504040204" pitchFamily="34" charset="0"/>
                 <a:ea typeface="Verdana" panose="020B0604030504040204" pitchFamily="34" charset="0"/>
               </a:rPr>
-              <a:t>Young’s force</a:t>
+              <a:t>Young’s force +</a:t>
+            </a:r>
+            <a:r>
+              <a:rPr lang="en-US" sz="1200" dirty="0">
+                <a:solidFill>
+                  <a:schemeClr val="accent6">
+                    <a:lumMod val="75000"/>
+                  </a:schemeClr>
+                </a:solidFill>
+                <a:latin typeface="Verdana" panose="020B0604030504040204" pitchFamily="34" charset="0"/>
+                <a:ea typeface="Verdana" panose="020B0604030504040204" pitchFamily="34" charset="0"/>
+              </a:rPr>
+              <a:t> internal viscous stress</a:t>
             </a:r>
           </a:p>
         </p:txBody>
